--- a/00.presentation/assets/Présentation1.pptx
+++ b/00.presentation/assets/Présentation1.pptx
@@ -281,7 +281,7 @@
       <p15:sldGuideLst xmlns:p15="http://schemas.microsoft.com/office/powerpoint/2012/main"/>
     </p:ext>
     <p:ext uri="GoogleSlidesCustomDataVersion2">
-      <go:slidesCustomData xmlns="" xmlns:mc="http://schemas.openxmlformats.org/markup-compatibility/2006" xmlns:mv="urn:schemas-microsoft-com:mac:vml" xmlns:c="http://schemas.openxmlformats.org/drawingml/2006/chart" xmlns:dgm="http://schemas.openxmlformats.org/drawingml/2006/diagram" xmlns:o="urn:schemas-microsoft-com:office:office" xmlns:v="urn:schemas-microsoft-com:vml" xmlns:pvml="urn:schemas-microsoft-com:office:powerpoint" xmlns:com="http://schemas.openxmlformats.org/drawingml/2006/compatibility" xmlns:p14="http://schemas.microsoft.com/office/powerpoint/2010/main" xmlns:p15="http://schemas.microsoft.com/office/powerpoint/2012/main" xmlns:ahyp="http://schemas.microsoft.com/office/drawing/2018/hyperlinkcolor" xmlns:go="http://customooxmlschemas.google.com/" r:id="rId39" roundtripDataSignature="AMtx7miJ6yfh3jtQDMVgc8tKc1qJJiJs7w=="/>
+      <go:slidesCustomData xmlns:go="http://customooxmlschemas.google.com/" xmlns:ahyp="http://schemas.microsoft.com/office/drawing/2018/hyperlinkcolor" xmlns:p15="http://schemas.microsoft.com/office/powerpoint/2012/main" xmlns:p14="http://schemas.microsoft.com/office/powerpoint/2010/main" xmlns:com="http://schemas.openxmlformats.org/drawingml/2006/compatibility" xmlns:pvml="urn:schemas-microsoft-com:office:powerpoint" xmlns:v="urn:schemas-microsoft-com:vml" xmlns:o="urn:schemas-microsoft-com:office:office" xmlns:dgm="http://schemas.openxmlformats.org/drawingml/2006/diagram" xmlns:c="http://schemas.openxmlformats.org/drawingml/2006/chart" xmlns:mv="urn:schemas-microsoft-com:mac:vml" xmlns:mc="http://schemas.openxmlformats.org/markup-compatibility/2006" xmlns="" r:id="rId39" roundtripDataSignature="AMtx7miJ6yfh3jtQDMVgc8tKc1qJJiJs7w=="/>
     </p:ext>
   </p:extLst>
 </p:presentation>
@@ -3623,7 +3623,7 @@
         <p:fade/>
       </p:transition>
     </mc:Choice>
-    <mc:Fallback xmlns="" xmlns:mv="urn:schemas-microsoft-com:mac:vml" xmlns:c="http://schemas.openxmlformats.org/drawingml/2006/chart" xmlns:dgm="http://schemas.openxmlformats.org/drawingml/2006/diagram" xmlns:o="urn:schemas-microsoft-com:office:office" xmlns:v="urn:schemas-microsoft-com:vml" xmlns:pvml="urn:schemas-microsoft-com:office:powerpoint" xmlns:com="http://schemas.openxmlformats.org/drawingml/2006/compatibility" xmlns:p15="http://schemas.microsoft.com/office/powerpoint/2012/main" xmlns:ahyp="http://schemas.microsoft.com/office/drawing/2018/hyperlinkcolor">
+    <mc:Fallback xmlns:ahyp="http://schemas.microsoft.com/office/drawing/2018/hyperlinkcolor" xmlns:p15="http://schemas.microsoft.com/office/powerpoint/2012/main" xmlns:com="http://schemas.openxmlformats.org/drawingml/2006/compatibility" xmlns:pvml="urn:schemas-microsoft-com:office:powerpoint" xmlns:v="urn:schemas-microsoft-com:vml" xmlns:o="urn:schemas-microsoft-com:office:office" xmlns:dgm="http://schemas.openxmlformats.org/drawingml/2006/diagram" xmlns:c="http://schemas.openxmlformats.org/drawingml/2006/chart" xmlns:mv="urn:schemas-microsoft-com:mac:vml" xmlns="">
       <p:transition spd="slow">
         <p:fade/>
       </p:transition>
@@ -7391,7 +7391,7 @@
           <a:p>
             <a:fld id="{1D8BD707-D9CF-40AE-B4C6-C98DA3205C09}" type="datetimeFigureOut">
               <a:rPr lang="en-US"/>
-              <a:t>3/26/24</a:t>
+              <a:t>3/27/24</a:t>
             </a:fld>
             <a:endParaRPr lang="en-US"/>
           </a:p>
@@ -13338,6 +13338,36 @@
           </a:p>
         </p:txBody>
       </p:sp>
+      <p:pic>
+        <p:nvPicPr>
+          <p:cNvPr id="5" name="Image 4">
+            <a:extLst>
+              <a:ext uri="{FF2B5EF4-FFF2-40B4-BE49-F238E27FC236}">
+                <a16:creationId xmlns:a16="http://schemas.microsoft.com/office/drawing/2014/main" id="{AF87456B-54F2-AC0E-96E6-EA284A51E7E8}"/>
+              </a:ext>
+            </a:extLst>
+          </p:cNvPr>
+          <p:cNvPicPr>
+            <a:picLocks noChangeAspect="1"/>
+          </p:cNvPicPr>
+          <p:nvPr/>
+        </p:nvPicPr>
+        <p:blipFill>
+          <a:blip r:embed="rId2"/>
+          <a:stretch>
+            <a:fillRect/>
+          </a:stretch>
+        </p:blipFill>
+        <p:spPr>
+          <a:xfrm>
+            <a:off x="4339938" y="1889633"/>
+            <a:ext cx="3512124" cy="3512124"/>
+          </a:xfrm>
+          <a:prstGeom prst="rect">
+            <a:avLst/>
+          </a:prstGeom>
+        </p:spPr>
+      </p:pic>
     </p:spTree>
     <p:extLst>
       <p:ext uri="{BB962C8B-B14F-4D97-AF65-F5344CB8AC3E}">

--- a/00.presentation/assets/Présentation1.pptx
+++ b/00.presentation/assets/Présentation1.pptx
@@ -5,7 +5,7 @@
     <p:sldMasterId id="2147483648" r:id="rId1"/>
   </p:sldMasterIdLst>
   <p:notesMasterIdLst>
-    <p:notesMasterId r:id="rId38"/>
+    <p:notesMasterId r:id="rId37"/>
   </p:notesMasterIdLst>
   <p:sldIdLst>
     <p:sldId id="256" r:id="rId2"/>
@@ -41,9 +41,8 @@
     <p:sldId id="292" r:id="rId32"/>
     <p:sldId id="277" r:id="rId33"/>
     <p:sldId id="293" r:id="rId34"/>
-    <p:sldId id="278" r:id="rId35"/>
-    <p:sldId id="300" r:id="rId36"/>
-    <p:sldId id="295" r:id="rId37"/>
+    <p:sldId id="300" r:id="rId35"/>
+    <p:sldId id="295" r:id="rId36"/>
   </p:sldIdLst>
   <p:sldSz cx="12192000" cy="6858000"/>
   <p:notesSz cx="6858000" cy="9144000"/>
@@ -1738,48 +1737,6 @@
           <a:bodyPr/>
           <a:lstStyle/>
           <a:p>
-            <a:pPr marL="457200" marR="0" lvl="0" indent="-228600" algn="l" defTabSz="914400" rtl="0" eaLnBrk="1" fontAlgn="auto" latinLnBrk="0" hangingPunct="1">
-              <a:lnSpc>
-                <a:spcPct val="100000"/>
-              </a:lnSpc>
-              <a:spcBef>
-                <a:spcPts val="0"/>
-              </a:spcBef>
-              <a:spcAft>
-                <a:spcPts val="0"/>
-              </a:spcAft>
-              <a:buClr>
-                <a:srgbClr val="000000"/>
-              </a:buClr>
-              <a:buSzPts val="1400"/>
-              <a:buFont typeface="Arial"/>
-              <a:buNone/>
-              <a:tabLst/>
-              <a:defRPr/>
-            </a:pPr>
-            <a:r>
-              <a:rPr lang="fr-FR" sz="1200" dirty="0">
-                <a:latin typeface="Calibri" panose="020F0502020204030204" pitchFamily="34" charset="0"/>
-                <a:cs typeface="Calibri" panose="020F0502020204030204" pitchFamily="34" charset="0"/>
-              </a:rPr>
-              <a:t>Abstraction des fonctionnalités: Le composant qui utilise le HOC n’a pas besoin de connaitre les </a:t>
-            </a:r>
-            <a:r>
-              <a:rPr lang="fr-FR" sz="1200" dirty="0" err="1">
-                <a:latin typeface="Calibri" panose="020F0502020204030204" pitchFamily="34" charset="0"/>
-                <a:cs typeface="Calibri" panose="020F0502020204030204" pitchFamily="34" charset="0"/>
-              </a:rPr>
-              <a:t>props</a:t>
-            </a:r>
-            <a:r>
-              <a:rPr lang="fr-FR" sz="1200" dirty="0">
-                <a:latin typeface="Calibri" panose="020F0502020204030204" pitchFamily="34" charset="0"/>
-                <a:cs typeface="Calibri" panose="020F0502020204030204" pitchFamily="34" charset="0"/>
-              </a:rPr>
-              <a:t> communes, il ne fait que les consommer</a:t>
-            </a:r>
-          </a:p>
-          <a:p>
             <a:endParaRPr lang="fr-FR" dirty="0"/>
           </a:p>
         </p:txBody>
@@ -1818,7 +1775,7 @@
                 <a:cs typeface="Calibri"/>
                 <a:sym typeface="Calibri"/>
               </a:rPr>
-              <a:t>9</a:t>
+              <a:t>6</a:t>
             </a:fld>
             <a:endParaRPr lang="fr-FR" sz="1200" b="0" i="0" u="none" strike="noStrike" cap="none">
               <a:solidFill>
@@ -1835,7 +1792,7 @@
     </p:spTree>
     <p:extLst>
       <p:ext uri="{BB962C8B-B14F-4D97-AF65-F5344CB8AC3E}">
-        <p14:creationId xmlns:p14="http://schemas.microsoft.com/office/powerpoint/2010/main" val="269993066"/>
+        <p14:creationId xmlns:p14="http://schemas.microsoft.com/office/powerpoint/2010/main" val="1742165315"/>
       </p:ext>
     </p:extLst>
   </p:cSld>
@@ -1889,138 +1846,7 @@
           <a:bodyPr/>
           <a:lstStyle/>
           <a:p>
-            <a:r>
-              <a:rPr lang="fr-FR" b="1" dirty="0"/>
-              <a:t>Résumé des avancées:</a:t>
-            </a:r>
-            <a:r>
-              <a:rPr lang="fr-FR" dirty="0"/>
-              <a:t> Nous avons exploré les principaux design patterns classiques et nouveaux dans </a:t>
-            </a:r>
-            <a:r>
-              <a:rPr lang="fr-FR" dirty="0" err="1"/>
-              <a:t>React</a:t>
-            </a:r>
-            <a:r>
-              <a:rPr lang="fr-FR" dirty="0"/>
-              <a:t>, mettant en évidence les progrès réalisés dans le développement au fil du temps. </a:t>
-            </a:r>
-            <a:r>
-              <a:rPr lang="fr-FR" dirty="0" err="1"/>
-              <a:t>React</a:t>
-            </a:r>
-            <a:r>
-              <a:rPr lang="fr-FR" dirty="0"/>
-              <a:t> nous recommande d’utiliser les custom </a:t>
-            </a:r>
-            <a:r>
-              <a:rPr lang="fr-FR" dirty="0" err="1"/>
-              <a:t>hooks</a:t>
-            </a:r>
-            <a:r>
-              <a:rPr lang="fr-FR" dirty="0"/>
-              <a:t> et la </a:t>
-            </a:r>
-            <a:r>
-              <a:rPr lang="fr-FR" dirty="0" err="1"/>
-              <a:t>context</a:t>
-            </a:r>
-            <a:r>
-              <a:rPr lang="fr-FR" dirty="0"/>
-              <a:t> API.</a:t>
-            </a:r>
-          </a:p>
-          <a:p>
             <a:endParaRPr lang="fr-FR" dirty="0"/>
-          </a:p>
-          <a:p>
-            <a:r>
-              <a:rPr lang="fr-FR" b="1" dirty="0"/>
-              <a:t>Impact sur le développement </a:t>
-            </a:r>
-            <a:r>
-              <a:rPr lang="fr-FR" b="1" dirty="0" err="1"/>
-              <a:t>React</a:t>
-            </a:r>
-            <a:r>
-              <a:rPr lang="fr-FR" b="1" dirty="0"/>
-              <a:t> :</a:t>
-            </a:r>
-            <a:r>
-              <a:rPr lang="fr-FR" dirty="0"/>
-              <a:t> Les design patterns jouent un rôle crucial dans l'écosystème </a:t>
-            </a:r>
-            <a:r>
-              <a:rPr lang="fr-FR" dirty="0" err="1"/>
-              <a:t>React</a:t>
-            </a:r>
-            <a:r>
-              <a:rPr lang="fr-FR" dirty="0"/>
-              <a:t>, améliorant la manière dont les développeurs construisent des applications et favorisant une meilleure organisation du code.</a:t>
-            </a:r>
-          </a:p>
-          <a:p>
-            <a:endParaRPr lang="fr-FR" dirty="0"/>
-          </a:p>
-          <a:p>
-            <a:r>
-              <a:rPr lang="fr-FR" b="1" dirty="0"/>
-              <a:t>Flexibilité et adaptabilité :</a:t>
-            </a:r>
-            <a:r>
-              <a:rPr lang="fr-FR" dirty="0"/>
-              <a:t> </a:t>
-            </a:r>
-            <a:r>
-              <a:rPr lang="fr-FR" dirty="0" err="1"/>
-              <a:t>React</a:t>
-            </a:r>
-            <a:r>
-              <a:rPr lang="fr-FR" dirty="0"/>
-              <a:t> offre une flexibilité exceptionnelle en matière de choix de design pattern, permettant aux développeurs de sélectionner celui qui correspond le mieux à leurs besoins spécifiques et à la structure de leur application.</a:t>
-            </a:r>
-          </a:p>
-          <a:p>
-            <a:endParaRPr lang="fr-FR" dirty="0"/>
-          </a:p>
-          <a:p>
-            <a:r>
-              <a:rPr lang="fr-FR" b="1" dirty="0"/>
-              <a:t>Encouragement à l'adoption de meilleures pratiques :</a:t>
-            </a:r>
-            <a:r>
-              <a:rPr lang="fr-FR" dirty="0"/>
-              <a:t> Nous encourageons les développeurs à suivre les meilleures pratiques en matière de développement </a:t>
-            </a:r>
-            <a:r>
-              <a:rPr lang="fr-FR" dirty="0" err="1"/>
-              <a:t>React</a:t>
-            </a:r>
-            <a:r>
-              <a:rPr lang="fr-FR" dirty="0"/>
-              <a:t>, en utilisant correctement les design patterns et en se tenant régulièrement informés des évolutions technologiques.</a:t>
-            </a:r>
-          </a:p>
-          <a:p>
-            <a:endParaRPr lang="fr-FR" dirty="0"/>
-          </a:p>
-          <a:p>
-            <a:r>
-              <a:rPr lang="fr-FR" b="1" dirty="0"/>
-              <a:t>Perspectives d'avenir :</a:t>
-            </a:r>
-            <a:r>
-              <a:rPr lang="fr-FR" dirty="0"/>
-              <a:t> L'avenir de </a:t>
-            </a:r>
-            <a:r>
-              <a:rPr lang="fr-FR" dirty="0" err="1"/>
-              <a:t>React</a:t>
-            </a:r>
-            <a:r>
-              <a:rPr lang="fr-FR" dirty="0"/>
-              <a:t> est prometteur, avec de nouvelles innovations potentielles dans le domaine des design patterns. Nous invitons les développeurs à rester ouverts aux changements et à cultiver une culture d'apprentissage continu.</a:t>
-            </a:r>
           </a:p>
         </p:txBody>
       </p:sp>
@@ -2058,7 +1884,7 @@
                 <a:cs typeface="Calibri"/>
                 <a:sym typeface="Calibri"/>
               </a:rPr>
-              <a:t>34</a:t>
+              <a:t>9</a:t>
             </a:fld>
             <a:endParaRPr lang="fr-FR" sz="1200" b="0" i="0" u="none" strike="noStrike" cap="none">
               <a:solidFill>
@@ -2075,7 +1901,443 @@
     </p:spTree>
     <p:extLst>
       <p:ext uri="{BB962C8B-B14F-4D97-AF65-F5344CB8AC3E}">
-        <p14:creationId xmlns:p14="http://schemas.microsoft.com/office/powerpoint/2010/main" val="2017648561"/>
+        <p14:creationId xmlns:p14="http://schemas.microsoft.com/office/powerpoint/2010/main" val="269993066"/>
+      </p:ext>
+    </p:extLst>
+  </p:cSld>
+  <p:clrMapOvr>
+    <a:masterClrMapping/>
+  </p:clrMapOvr>
+</p:notes>
+</file>
+
+<file path=ppt/notesSlides/notesSlide5.xml><?xml version="1.0" encoding="utf-8"?>
+<p:notes xmlns:a="http://schemas.openxmlformats.org/drawingml/2006/main" xmlns:r="http://schemas.openxmlformats.org/officeDocument/2006/relationships" xmlns:p="http://schemas.openxmlformats.org/presentationml/2006/main">
+  <p:cSld>
+    <p:spTree>
+      <p:nvGrpSpPr>
+        <p:cNvPr id="1" name=""/>
+        <p:cNvGrpSpPr/>
+        <p:nvPr/>
+      </p:nvGrpSpPr>
+      <p:grpSpPr>
+        <a:xfrm>
+          <a:off x="0" y="0"/>
+          <a:ext cx="0" cy="0"/>
+          <a:chOff x="0" y="0"/>
+          <a:chExt cx="0" cy="0"/>
+        </a:xfrm>
+      </p:grpSpPr>
+      <p:sp>
+        <p:nvSpPr>
+          <p:cNvPr id="2" name="Espace réservé de l'image des diapositives 1"/>
+          <p:cNvSpPr>
+            <a:spLocks noGrp="1" noRot="1" noChangeAspect="1"/>
+          </p:cNvSpPr>
+          <p:nvPr>
+            <p:ph type="sldImg"/>
+          </p:nvPr>
+        </p:nvSpPr>
+        <p:spPr/>
+      </p:sp>
+      <p:sp>
+        <p:nvSpPr>
+          <p:cNvPr id="3" name="Espace réservé des notes 2"/>
+          <p:cNvSpPr>
+            <a:spLocks noGrp="1"/>
+          </p:cNvSpPr>
+          <p:nvPr>
+            <p:ph type="body" idx="1"/>
+          </p:nvPr>
+        </p:nvSpPr>
+        <p:spPr/>
+        <p:txBody>
+          <a:bodyPr/>
+          <a:lstStyle/>
+          <a:p>
+            <a:endParaRPr lang="fr-FR" dirty="0"/>
+          </a:p>
+        </p:txBody>
+      </p:sp>
+      <p:sp>
+        <p:nvSpPr>
+          <p:cNvPr id="4" name="Espace réservé du numéro de diapositive 3"/>
+          <p:cNvSpPr>
+            <a:spLocks noGrp="1"/>
+          </p:cNvSpPr>
+          <p:nvPr>
+            <p:ph type="sldNum" idx="12"/>
+          </p:nvPr>
+        </p:nvSpPr>
+        <p:spPr/>
+        <p:txBody>
+          <a:bodyPr/>
+          <a:lstStyle/>
+          <a:p>
+            <a:pPr marL="0" marR="0" lvl="0" indent="0" algn="r" rtl="0">
+              <a:spcBef>
+                <a:spcPts val="0"/>
+              </a:spcBef>
+              <a:spcAft>
+                <a:spcPts val="0"/>
+              </a:spcAft>
+              <a:buNone/>
+            </a:pPr>
+            <a:fld id="{00000000-1234-1234-1234-123412341234}" type="slidenum">
+              <a:rPr lang="fr-FR" sz="1200" b="0" i="0" u="none" strike="noStrike" cap="none" smtClean="0">
+                <a:solidFill>
+                  <a:schemeClr val="dk1"/>
+                </a:solidFill>
+                <a:latin typeface="Calibri"/>
+                <a:ea typeface="Calibri"/>
+                <a:cs typeface="Calibri"/>
+                <a:sym typeface="Calibri"/>
+              </a:rPr>
+              <a:t>11</a:t>
+            </a:fld>
+            <a:endParaRPr lang="fr-FR" sz="1200" b="0" i="0" u="none" strike="noStrike" cap="none">
+              <a:solidFill>
+                <a:schemeClr val="dk1"/>
+              </a:solidFill>
+              <a:latin typeface="Calibri"/>
+              <a:ea typeface="Calibri"/>
+              <a:cs typeface="Calibri"/>
+              <a:sym typeface="Calibri"/>
+            </a:endParaRPr>
+          </a:p>
+        </p:txBody>
+      </p:sp>
+    </p:spTree>
+    <p:extLst>
+      <p:ext uri="{BB962C8B-B14F-4D97-AF65-F5344CB8AC3E}">
+        <p14:creationId xmlns:p14="http://schemas.microsoft.com/office/powerpoint/2010/main" val="3000887466"/>
+      </p:ext>
+    </p:extLst>
+  </p:cSld>
+  <p:clrMapOvr>
+    <a:masterClrMapping/>
+  </p:clrMapOvr>
+</p:notes>
+</file>
+
+<file path=ppt/notesSlides/notesSlide6.xml><?xml version="1.0" encoding="utf-8"?>
+<p:notes xmlns:a="http://schemas.openxmlformats.org/drawingml/2006/main" xmlns:r="http://schemas.openxmlformats.org/officeDocument/2006/relationships" xmlns:p="http://schemas.openxmlformats.org/presentationml/2006/main">
+  <p:cSld>
+    <p:spTree>
+      <p:nvGrpSpPr>
+        <p:cNvPr id="1" name=""/>
+        <p:cNvGrpSpPr/>
+        <p:nvPr/>
+      </p:nvGrpSpPr>
+      <p:grpSpPr>
+        <a:xfrm>
+          <a:off x="0" y="0"/>
+          <a:ext cx="0" cy="0"/>
+          <a:chOff x="0" y="0"/>
+          <a:chExt cx="0" cy="0"/>
+        </a:xfrm>
+      </p:grpSpPr>
+      <p:sp>
+        <p:nvSpPr>
+          <p:cNvPr id="2" name="Espace réservé de l'image des diapositives 1"/>
+          <p:cNvSpPr>
+            <a:spLocks noGrp="1" noRot="1" noChangeAspect="1"/>
+          </p:cNvSpPr>
+          <p:nvPr>
+            <p:ph type="sldImg"/>
+          </p:nvPr>
+        </p:nvSpPr>
+        <p:spPr/>
+      </p:sp>
+      <p:sp>
+        <p:nvSpPr>
+          <p:cNvPr id="3" name="Espace réservé des notes 2"/>
+          <p:cNvSpPr>
+            <a:spLocks noGrp="1"/>
+          </p:cNvSpPr>
+          <p:nvPr>
+            <p:ph type="body" idx="1"/>
+          </p:nvPr>
+        </p:nvSpPr>
+        <p:spPr/>
+        <p:txBody>
+          <a:bodyPr/>
+          <a:lstStyle/>
+          <a:p>
+            <a:endParaRPr lang="fr-FR" dirty="0"/>
+          </a:p>
+        </p:txBody>
+      </p:sp>
+      <p:sp>
+        <p:nvSpPr>
+          <p:cNvPr id="4" name="Espace réservé du numéro de diapositive 3"/>
+          <p:cNvSpPr>
+            <a:spLocks noGrp="1"/>
+          </p:cNvSpPr>
+          <p:nvPr>
+            <p:ph type="sldNum" idx="12"/>
+          </p:nvPr>
+        </p:nvSpPr>
+        <p:spPr/>
+        <p:txBody>
+          <a:bodyPr/>
+          <a:lstStyle/>
+          <a:p>
+            <a:pPr marL="0" marR="0" lvl="0" indent="0" algn="r" rtl="0">
+              <a:spcBef>
+                <a:spcPts val="0"/>
+              </a:spcBef>
+              <a:spcAft>
+                <a:spcPts val="0"/>
+              </a:spcAft>
+              <a:buNone/>
+            </a:pPr>
+            <a:fld id="{00000000-1234-1234-1234-123412341234}" type="slidenum">
+              <a:rPr lang="fr-FR" sz="1200" b="0" i="0" u="none" strike="noStrike" cap="none" smtClean="0">
+                <a:solidFill>
+                  <a:schemeClr val="dk1"/>
+                </a:solidFill>
+                <a:latin typeface="Calibri"/>
+                <a:ea typeface="Calibri"/>
+                <a:cs typeface="Calibri"/>
+                <a:sym typeface="Calibri"/>
+              </a:rPr>
+              <a:t>15</a:t>
+            </a:fld>
+            <a:endParaRPr lang="fr-FR" sz="1200" b="0" i="0" u="none" strike="noStrike" cap="none">
+              <a:solidFill>
+                <a:schemeClr val="dk1"/>
+              </a:solidFill>
+              <a:latin typeface="Calibri"/>
+              <a:ea typeface="Calibri"/>
+              <a:cs typeface="Calibri"/>
+              <a:sym typeface="Calibri"/>
+            </a:endParaRPr>
+          </a:p>
+        </p:txBody>
+      </p:sp>
+    </p:spTree>
+    <p:extLst>
+      <p:ext uri="{BB962C8B-B14F-4D97-AF65-F5344CB8AC3E}">
+        <p14:creationId xmlns:p14="http://schemas.microsoft.com/office/powerpoint/2010/main" val="380552300"/>
+      </p:ext>
+    </p:extLst>
+  </p:cSld>
+  <p:clrMapOvr>
+    <a:masterClrMapping/>
+  </p:clrMapOvr>
+</p:notes>
+</file>
+
+<file path=ppt/notesSlides/notesSlide7.xml><?xml version="1.0" encoding="utf-8"?>
+<p:notes xmlns:a="http://schemas.openxmlformats.org/drawingml/2006/main" xmlns:r="http://schemas.openxmlformats.org/officeDocument/2006/relationships" xmlns:p="http://schemas.openxmlformats.org/presentationml/2006/main">
+  <p:cSld>
+    <p:spTree>
+      <p:nvGrpSpPr>
+        <p:cNvPr id="1" name=""/>
+        <p:cNvGrpSpPr/>
+        <p:nvPr/>
+      </p:nvGrpSpPr>
+      <p:grpSpPr>
+        <a:xfrm>
+          <a:off x="0" y="0"/>
+          <a:ext cx="0" cy="0"/>
+          <a:chOff x="0" y="0"/>
+          <a:chExt cx="0" cy="0"/>
+        </a:xfrm>
+      </p:grpSpPr>
+      <p:sp>
+        <p:nvSpPr>
+          <p:cNvPr id="2" name="Espace réservé de l'image des diapositives 1"/>
+          <p:cNvSpPr>
+            <a:spLocks noGrp="1" noRot="1" noChangeAspect="1"/>
+          </p:cNvSpPr>
+          <p:nvPr>
+            <p:ph type="sldImg"/>
+          </p:nvPr>
+        </p:nvSpPr>
+        <p:spPr/>
+      </p:sp>
+      <p:sp>
+        <p:nvSpPr>
+          <p:cNvPr id="3" name="Espace réservé des notes 2"/>
+          <p:cNvSpPr>
+            <a:spLocks noGrp="1"/>
+          </p:cNvSpPr>
+          <p:nvPr>
+            <p:ph type="body" idx="1"/>
+          </p:nvPr>
+        </p:nvSpPr>
+        <p:spPr/>
+        <p:txBody>
+          <a:bodyPr/>
+          <a:lstStyle/>
+          <a:p>
+            <a:endParaRPr lang="fr-FR" dirty="0"/>
+          </a:p>
+        </p:txBody>
+      </p:sp>
+      <p:sp>
+        <p:nvSpPr>
+          <p:cNvPr id="4" name="Espace réservé du numéro de diapositive 3"/>
+          <p:cNvSpPr>
+            <a:spLocks noGrp="1"/>
+          </p:cNvSpPr>
+          <p:nvPr>
+            <p:ph type="sldNum" idx="12"/>
+          </p:nvPr>
+        </p:nvSpPr>
+        <p:spPr/>
+        <p:txBody>
+          <a:bodyPr/>
+          <a:lstStyle/>
+          <a:p>
+            <a:pPr marL="0" marR="0" lvl="0" indent="0" algn="r" rtl="0">
+              <a:spcBef>
+                <a:spcPts val="0"/>
+              </a:spcBef>
+              <a:spcAft>
+                <a:spcPts val="0"/>
+              </a:spcAft>
+              <a:buNone/>
+            </a:pPr>
+            <a:fld id="{00000000-1234-1234-1234-123412341234}" type="slidenum">
+              <a:rPr lang="fr-FR" sz="1200" b="0" i="0" u="none" strike="noStrike" cap="none" smtClean="0">
+                <a:solidFill>
+                  <a:schemeClr val="dk1"/>
+                </a:solidFill>
+                <a:latin typeface="Calibri"/>
+                <a:ea typeface="Calibri"/>
+                <a:cs typeface="Calibri"/>
+                <a:sym typeface="Calibri"/>
+              </a:rPr>
+              <a:t>17</a:t>
+            </a:fld>
+            <a:endParaRPr lang="fr-FR" sz="1200" b="0" i="0" u="none" strike="noStrike" cap="none">
+              <a:solidFill>
+                <a:schemeClr val="dk1"/>
+              </a:solidFill>
+              <a:latin typeface="Calibri"/>
+              <a:ea typeface="Calibri"/>
+              <a:cs typeface="Calibri"/>
+              <a:sym typeface="Calibri"/>
+            </a:endParaRPr>
+          </a:p>
+        </p:txBody>
+      </p:sp>
+    </p:spTree>
+    <p:extLst>
+      <p:ext uri="{BB962C8B-B14F-4D97-AF65-F5344CB8AC3E}">
+        <p14:creationId xmlns:p14="http://schemas.microsoft.com/office/powerpoint/2010/main" val="2616398323"/>
+      </p:ext>
+    </p:extLst>
+  </p:cSld>
+  <p:clrMapOvr>
+    <a:masterClrMapping/>
+  </p:clrMapOvr>
+</p:notes>
+</file>
+
+<file path=ppt/notesSlides/notesSlide8.xml><?xml version="1.0" encoding="utf-8"?>
+<p:notes xmlns:a="http://schemas.openxmlformats.org/drawingml/2006/main" xmlns:r="http://schemas.openxmlformats.org/officeDocument/2006/relationships" xmlns:p="http://schemas.openxmlformats.org/presentationml/2006/main">
+  <p:cSld>
+    <p:spTree>
+      <p:nvGrpSpPr>
+        <p:cNvPr id="1" name=""/>
+        <p:cNvGrpSpPr/>
+        <p:nvPr/>
+      </p:nvGrpSpPr>
+      <p:grpSpPr>
+        <a:xfrm>
+          <a:off x="0" y="0"/>
+          <a:ext cx="0" cy="0"/>
+          <a:chOff x="0" y="0"/>
+          <a:chExt cx="0" cy="0"/>
+        </a:xfrm>
+      </p:grpSpPr>
+      <p:sp>
+        <p:nvSpPr>
+          <p:cNvPr id="2" name="Espace réservé de l'image des diapositives 1"/>
+          <p:cNvSpPr>
+            <a:spLocks noGrp="1" noRot="1" noChangeAspect="1"/>
+          </p:cNvSpPr>
+          <p:nvPr>
+            <p:ph type="sldImg"/>
+          </p:nvPr>
+        </p:nvSpPr>
+        <p:spPr/>
+      </p:sp>
+      <p:sp>
+        <p:nvSpPr>
+          <p:cNvPr id="3" name="Espace réservé des notes 2"/>
+          <p:cNvSpPr>
+            <a:spLocks noGrp="1"/>
+          </p:cNvSpPr>
+          <p:nvPr>
+            <p:ph type="body" idx="1"/>
+          </p:nvPr>
+        </p:nvSpPr>
+        <p:spPr/>
+        <p:txBody>
+          <a:bodyPr/>
+          <a:lstStyle/>
+          <a:p>
+            <a:endParaRPr lang="fr-FR" dirty="0"/>
+          </a:p>
+        </p:txBody>
+      </p:sp>
+      <p:sp>
+        <p:nvSpPr>
+          <p:cNvPr id="4" name="Espace réservé du numéro de diapositive 3"/>
+          <p:cNvSpPr>
+            <a:spLocks noGrp="1"/>
+          </p:cNvSpPr>
+          <p:nvPr>
+            <p:ph type="sldNum" idx="12"/>
+          </p:nvPr>
+        </p:nvSpPr>
+        <p:spPr/>
+        <p:txBody>
+          <a:bodyPr/>
+          <a:lstStyle/>
+          <a:p>
+            <a:pPr marL="0" marR="0" lvl="0" indent="0" algn="r" rtl="0">
+              <a:spcBef>
+                <a:spcPts val="0"/>
+              </a:spcBef>
+              <a:spcAft>
+                <a:spcPts val="0"/>
+              </a:spcAft>
+              <a:buNone/>
+            </a:pPr>
+            <a:fld id="{00000000-1234-1234-1234-123412341234}" type="slidenum">
+              <a:rPr lang="fr-FR" sz="1200" b="0" i="0" u="none" strike="noStrike" cap="none" smtClean="0">
+                <a:solidFill>
+                  <a:schemeClr val="dk1"/>
+                </a:solidFill>
+                <a:latin typeface="Calibri"/>
+                <a:ea typeface="Calibri"/>
+                <a:cs typeface="Calibri"/>
+                <a:sym typeface="Calibri"/>
+              </a:rPr>
+              <a:t>19</a:t>
+            </a:fld>
+            <a:endParaRPr lang="fr-FR" sz="1200" b="0" i="0" u="none" strike="noStrike" cap="none">
+              <a:solidFill>
+                <a:schemeClr val="dk1"/>
+              </a:solidFill>
+              <a:latin typeface="Calibri"/>
+              <a:ea typeface="Calibri"/>
+              <a:cs typeface="Calibri"/>
+              <a:sym typeface="Calibri"/>
+            </a:endParaRPr>
+          </a:p>
+        </p:txBody>
+      </p:sp>
+    </p:spTree>
+    <p:extLst>
+      <p:ext uri="{BB962C8B-B14F-4D97-AF65-F5344CB8AC3E}">
+        <p14:creationId xmlns:p14="http://schemas.microsoft.com/office/powerpoint/2010/main" val="2162622640"/>
       </p:ext>
     </p:extLst>
   </p:cSld>
@@ -7391,7 +7653,7 @@
           <a:p>
             <a:fld id="{1D8BD707-D9CF-40AE-B4C6-C98DA3205C09}" type="datetimeFigureOut">
               <a:rPr lang="en-US"/>
-              <a:t>3/27/24</a:t>
+              <a:t>4/1/24</a:t>
             </a:fld>
             <a:endParaRPr lang="en-US"/>
           </a:p>
@@ -8939,7 +9201,7 @@
                 <a:latin typeface="Calibri" panose="020F0502020204030204" pitchFamily="34" charset="0"/>
                 <a:cs typeface="Calibri" panose="020F0502020204030204" pitchFamily="34" charset="0"/>
               </a:rPr>
-              <a:t>Plus difficile a maintenir lorsque l’application évolue</a:t>
+              <a:t>Plus difficile à maintenir lorsque l’application évolue</a:t>
             </a:r>
           </a:p>
           <a:p>
@@ -9509,49 +9771,18 @@
               </a:rPr>
               <a:t>prop</a:t>
             </a:r>
+            <a:endParaRPr lang="fr-FR" sz="2400" dirty="0">
+              <a:latin typeface="Calibri" panose="020F0502020204030204" pitchFamily="34" charset="0"/>
+              <a:cs typeface="Calibri" panose="020F0502020204030204" pitchFamily="34" charset="0"/>
+            </a:endParaRPr>
+          </a:p>
+          <a:p>
             <a:r>
               <a:rPr lang="fr-FR" sz="2400" dirty="0">
                 <a:latin typeface="Calibri" panose="020F0502020204030204" pitchFamily="34" charset="0"/>
                 <a:cs typeface="Calibri" panose="020F0502020204030204" pitchFamily="34" charset="0"/>
               </a:rPr>
-              <a:t> provenant d’un retour de fonction au lieu d’exposer les </a:t>
-            </a:r>
-            <a:r>
-              <a:rPr lang="fr-FR" sz="2400" dirty="0" err="1">
-                <a:latin typeface="Calibri" panose="020F0502020204030204" pitchFamily="34" charset="0"/>
-                <a:cs typeface="Calibri" panose="020F0502020204030204" pitchFamily="34" charset="0"/>
-              </a:rPr>
-              <a:t>props</a:t>
-            </a:r>
-            <a:r>
-              <a:rPr lang="fr-FR" sz="2400" dirty="0">
-                <a:latin typeface="Calibri" panose="020F0502020204030204" pitchFamily="34" charset="0"/>
-                <a:cs typeface="Calibri" panose="020F0502020204030204" pitchFamily="34" charset="0"/>
-              </a:rPr>
-              <a:t> natives!</a:t>
-            </a:r>
-          </a:p>
-          <a:p>
-            <a:r>
-              <a:rPr lang="fr-FR" sz="2400" dirty="0">
-                <a:latin typeface="Calibri" panose="020F0502020204030204" pitchFamily="34" charset="0"/>
-                <a:cs typeface="Calibri" panose="020F0502020204030204" pitchFamily="34" charset="0"/>
-              </a:rPr>
-              <a:t>Amène par contre un manque de visibilité dans le code du fait qu’on masque les </a:t>
-            </a:r>
-            <a:r>
-              <a:rPr lang="fr-FR" sz="2400" dirty="0" err="1">
-                <a:latin typeface="Calibri" panose="020F0502020204030204" pitchFamily="34" charset="0"/>
-                <a:cs typeface="Calibri" panose="020F0502020204030204" pitchFamily="34" charset="0"/>
-              </a:rPr>
-              <a:t>props</a:t>
-            </a:r>
-            <a:r>
-              <a:rPr lang="fr-FR" sz="2400" dirty="0">
-                <a:latin typeface="Calibri" panose="020F0502020204030204" pitchFamily="34" charset="0"/>
-                <a:cs typeface="Calibri" panose="020F0502020204030204" pitchFamily="34" charset="0"/>
-              </a:rPr>
-              <a:t>.</a:t>
+              <a:t>Amène un manque de visibilité</a:t>
             </a:r>
           </a:p>
           <a:p>
@@ -9628,7 +9859,7 @@
                 <a:latin typeface="Calibri" panose="020F0502020204030204" pitchFamily="34" charset="0"/>
                 <a:cs typeface="Calibri" panose="020F0502020204030204" pitchFamily="34" charset="0"/>
               </a:rPr>
-              <a:t>Les nouveaux design patterns: </a:t>
+              <a:t>Les nouveaux design patterns - </a:t>
             </a:r>
             <a:r>
               <a:rPr lang="fr-FR" dirty="0" err="1">
@@ -9739,14 +9970,14 @@
                 <a:latin typeface="Calibri" panose="020F0502020204030204" pitchFamily="34" charset="0"/>
                 <a:cs typeface="Calibri" panose="020F0502020204030204" pitchFamily="34" charset="0"/>
               </a:rPr>
-              <a:t>Les nouveaux design patterns: </a:t>
+              <a:t>Les nouveaux design patterns - </a:t>
             </a:r>
             <a:r>
               <a:rPr lang="fr-FR" dirty="0" err="1">
                 <a:latin typeface="Calibri" panose="020F0502020204030204" pitchFamily="34" charset="0"/>
                 <a:cs typeface="Calibri" panose="020F0502020204030204" pitchFamily="34" charset="0"/>
               </a:rPr>
-              <a:t>props</a:t>
+              <a:t>Props</a:t>
             </a:r>
             <a:r>
               <a:rPr lang="fr-FR" dirty="0">
@@ -9872,15 +10103,6 @@
                 <a:latin typeface="Calibri" panose="020F0502020204030204" pitchFamily="34" charset="0"/>
                 <a:cs typeface="Calibri" panose="020F0502020204030204" pitchFamily="34" charset="0"/>
               </a:rPr>
-              <a:t>Est constitué d’un provider et d’un consumer</a:t>
-            </a:r>
-          </a:p>
-          <a:p>
-            <a:r>
-              <a:rPr lang="fr-FR" sz="2000" dirty="0">
-                <a:latin typeface="Calibri" panose="020F0502020204030204" pitchFamily="34" charset="0"/>
-                <a:cs typeface="Calibri" panose="020F0502020204030204" pitchFamily="34" charset="0"/>
-              </a:rPr>
               <a:t>Possibilité d’utiliser plusieurs contextes</a:t>
             </a:r>
           </a:p>
@@ -9918,21 +10140,7 @@
                 <a:latin typeface="Calibri" panose="020F0502020204030204" pitchFamily="34" charset="0"/>
                 <a:cs typeface="Calibri" panose="020F0502020204030204" pitchFamily="34" charset="0"/>
               </a:rPr>
-              <a:t>Les nouveaux design Patterns: </a:t>
-            </a:r>
-            <a:r>
-              <a:rPr lang="fr-FR" dirty="0" err="1">
-                <a:latin typeface="Calibri" panose="020F0502020204030204" pitchFamily="34" charset="0"/>
-                <a:cs typeface="Calibri" panose="020F0502020204030204" pitchFamily="34" charset="0"/>
-              </a:rPr>
-              <a:t>Context</a:t>
-            </a:r>
-            <a:r>
-              <a:rPr lang="fr-FR" dirty="0">
-                <a:latin typeface="Calibri" panose="020F0502020204030204" pitchFamily="34" charset="0"/>
-                <a:cs typeface="Calibri" panose="020F0502020204030204" pitchFamily="34" charset="0"/>
-              </a:rPr>
-              <a:t> API</a:t>
+              <a:t>Les nouveaux design Patterns - Provider</a:t>
             </a:r>
           </a:p>
         </p:txBody>
@@ -10299,36 +10507,6 @@
           </a:p>
         </p:txBody>
       </p:sp>
-      <p:pic>
-        <p:nvPicPr>
-          <p:cNvPr id="3" name="Image 2">
-            <a:extLst>
-              <a:ext uri="{FF2B5EF4-FFF2-40B4-BE49-F238E27FC236}">
-                <a16:creationId xmlns:a16="http://schemas.microsoft.com/office/drawing/2014/main" id="{A3D25986-BAF9-9291-C4DE-DE2AF6CB848D}"/>
-              </a:ext>
-            </a:extLst>
-          </p:cNvPr>
-          <p:cNvPicPr>
-            <a:picLocks noChangeAspect="1"/>
-          </p:cNvPicPr>
-          <p:nvPr/>
-        </p:nvPicPr>
-        <p:blipFill>
-          <a:blip r:embed="rId3"/>
-          <a:stretch>
-            <a:fillRect/>
-          </a:stretch>
-        </p:blipFill>
-        <p:spPr>
-          <a:xfrm>
-            <a:off x="3772273" y="1965281"/>
-            <a:ext cx="554822" cy="498366"/>
-          </a:xfrm>
-          <a:prstGeom prst="rect">
-            <a:avLst/>
-          </a:prstGeom>
-        </p:spPr>
-      </p:pic>
     </p:spTree>
   </p:cSld>
   <p:clrMapOvr>
@@ -10416,21 +10594,7 @@
                 <a:latin typeface="Calibri" panose="020F0502020204030204" pitchFamily="34" charset="0"/>
                 <a:cs typeface="Calibri" panose="020F0502020204030204" pitchFamily="34" charset="0"/>
               </a:rPr>
-              <a:t>Les nouveaux design Patterns: </a:t>
-            </a:r>
-            <a:r>
-              <a:rPr lang="fr-FR" dirty="0" err="1">
-                <a:latin typeface="Calibri" panose="020F0502020204030204" pitchFamily="34" charset="0"/>
-                <a:cs typeface="Calibri" panose="020F0502020204030204" pitchFamily="34" charset="0"/>
-              </a:rPr>
-              <a:t>Context</a:t>
-            </a:r>
-            <a:r>
-              <a:rPr lang="fr-FR" dirty="0">
-                <a:latin typeface="Calibri" panose="020F0502020204030204" pitchFamily="34" charset="0"/>
-                <a:cs typeface="Calibri" panose="020F0502020204030204" pitchFamily="34" charset="0"/>
-              </a:rPr>
-              <a:t> API</a:t>
+              <a:t>Les nouveaux design Patterns - Provider</a:t>
             </a:r>
           </a:p>
         </p:txBody>
@@ -12201,7 +12365,7 @@
                 <a:latin typeface="Calibri" panose="020F0502020204030204" pitchFamily="34" charset="0"/>
                 <a:cs typeface="Calibri" panose="020F0502020204030204" pitchFamily="34" charset="0"/>
               </a:rPr>
-              <a:t>Les design patterns solutionnent les problèmes de développement de logiciels</a:t>
+              <a:t>Les design patterns sont une solution contre les problèmes de développement de logiciels</a:t>
             </a:r>
           </a:p>
           <a:p>
@@ -12742,18 +12906,11 @@
           <a:lstStyle/>
           <a:p>
             <a:r>
-              <a:rPr lang="fr-FR" sz="2400" b="1" dirty="0" err="1">
-                <a:latin typeface="Calibri" panose="020F0502020204030204" pitchFamily="34" charset="0"/>
-                <a:cs typeface="Calibri" panose="020F0502020204030204" pitchFamily="34" charset="0"/>
-              </a:rPr>
-              <a:t>Context</a:t>
-            </a:r>
-            <a:r>
               <a:rPr lang="fr-FR" sz="2400" b="1" dirty="0">
                 <a:latin typeface="Calibri" panose="020F0502020204030204" pitchFamily="34" charset="0"/>
                 <a:cs typeface="Calibri" panose="020F0502020204030204" pitchFamily="34" charset="0"/>
               </a:rPr>
-              <a:t> API :</a:t>
+              <a:t>Provider :</a:t>
             </a:r>
             <a:endParaRPr lang="fr-FR" sz="2400" dirty="0">
               <a:latin typeface="Calibri" panose="020F0502020204030204" pitchFamily="34" charset="0"/>
@@ -12906,18 +13063,11 @@
           <a:lstStyle/>
           <a:p>
             <a:r>
-              <a:rPr lang="fr-FR" sz="2400" b="1" dirty="0" err="1">
-                <a:latin typeface="Calibri" panose="020F0502020204030204" pitchFamily="34" charset="0"/>
-                <a:cs typeface="Calibri" panose="020F0502020204030204" pitchFamily="34" charset="0"/>
-              </a:rPr>
-              <a:t>Context</a:t>
-            </a:r>
-            <a:r>
               <a:rPr lang="fr-FR" sz="2400" b="1" dirty="0">
                 <a:latin typeface="Calibri" panose="020F0502020204030204" pitchFamily="34" charset="0"/>
                 <a:cs typeface="Calibri" panose="020F0502020204030204" pitchFamily="34" charset="0"/>
               </a:rPr>
-              <a:t> API :</a:t>
+              <a:t>Provider :</a:t>
             </a:r>
             <a:endParaRPr lang="fr-FR" sz="2400" dirty="0">
               <a:latin typeface="Calibri" panose="020F0502020204030204" pitchFamily="34" charset="0"/>
@@ -13099,166 +13249,6 @@
 </file>
 
 <file path=ppt/slides/slide34.xml><?xml version="1.0" encoding="utf-8"?>
-<p:sld xmlns:a="http://schemas.openxmlformats.org/drawingml/2006/main" xmlns:r="http://schemas.openxmlformats.org/officeDocument/2006/relationships" xmlns:p="http://schemas.openxmlformats.org/presentationml/2006/main">
-  <p:cSld>
-    <p:spTree>
-      <p:nvGrpSpPr>
-        <p:cNvPr id="1" name=""/>
-        <p:cNvGrpSpPr/>
-        <p:nvPr/>
-      </p:nvGrpSpPr>
-      <p:grpSpPr>
-        <a:xfrm>
-          <a:off x="0" y="0"/>
-          <a:ext cx="0" cy="0"/>
-          <a:chOff x="0" y="0"/>
-          <a:chExt cx="0" cy="0"/>
-        </a:xfrm>
-      </p:grpSpPr>
-      <p:sp>
-        <p:nvSpPr>
-          <p:cNvPr id="2" name="Espace réservé du texte 1">
-            <a:extLst>
-              <a:ext uri="{FF2B5EF4-FFF2-40B4-BE49-F238E27FC236}">
-                <a16:creationId xmlns:a16="http://schemas.microsoft.com/office/drawing/2014/main" id="{E4284E55-C16E-C115-82F9-85D01FC1CDAA}"/>
-              </a:ext>
-            </a:extLst>
-          </p:cNvPr>
-          <p:cNvSpPr>
-            <a:spLocks noGrp="1"/>
-          </p:cNvSpPr>
-          <p:nvPr>
-            <p:ph type="body" idx="1"/>
-          </p:nvPr>
-        </p:nvSpPr>
-        <p:spPr/>
-        <p:txBody>
-          <a:bodyPr/>
-          <a:lstStyle/>
-          <a:p>
-            <a:pPr>
-              <a:lnSpc>
-                <a:spcPct val="150000"/>
-              </a:lnSpc>
-            </a:pPr>
-            <a:r>
-              <a:rPr lang="fr-FR" sz="2000" b="1" dirty="0">
-                <a:latin typeface="Calibri" panose="020F0502020204030204" pitchFamily="34" charset="0"/>
-                <a:cs typeface="Calibri" panose="020F0502020204030204" pitchFamily="34" charset="0"/>
-              </a:rPr>
-              <a:t>Résumé des avancées</a:t>
-            </a:r>
-          </a:p>
-          <a:p>
-            <a:pPr>
-              <a:lnSpc>
-                <a:spcPct val="150000"/>
-              </a:lnSpc>
-            </a:pPr>
-            <a:r>
-              <a:rPr lang="fr-FR" sz="2000" b="1" dirty="0">
-                <a:latin typeface="Calibri" panose="020F0502020204030204" pitchFamily="34" charset="0"/>
-                <a:cs typeface="Calibri" panose="020F0502020204030204" pitchFamily="34" charset="0"/>
-              </a:rPr>
-              <a:t>Impact sur le développement</a:t>
-            </a:r>
-            <a:endParaRPr lang="fr-FR" sz="1400" dirty="0"/>
-          </a:p>
-          <a:p>
-            <a:pPr>
-              <a:lnSpc>
-                <a:spcPct val="150000"/>
-              </a:lnSpc>
-            </a:pPr>
-            <a:r>
-              <a:rPr lang="fr-FR" sz="2000" b="1" dirty="0">
-                <a:latin typeface="Calibri" panose="020F0502020204030204" pitchFamily="34" charset="0"/>
-                <a:cs typeface="Calibri" panose="020F0502020204030204" pitchFamily="34" charset="0"/>
-              </a:rPr>
-              <a:t>Flexibilité et adaptabilité</a:t>
-            </a:r>
-            <a:endParaRPr lang="fr-FR" sz="1400" dirty="0"/>
-          </a:p>
-          <a:p>
-            <a:pPr>
-              <a:lnSpc>
-                <a:spcPct val="150000"/>
-              </a:lnSpc>
-            </a:pPr>
-            <a:r>
-              <a:rPr lang="fr-FR" sz="2000" b="1" dirty="0">
-                <a:latin typeface="Calibri" panose="020F0502020204030204" pitchFamily="34" charset="0"/>
-                <a:cs typeface="Calibri" panose="020F0502020204030204" pitchFamily="34" charset="0"/>
-              </a:rPr>
-              <a:t>Encouragement à l'adoption de meilleures pratiques</a:t>
-            </a:r>
-            <a:endParaRPr lang="fr-FR" sz="1400" dirty="0"/>
-          </a:p>
-          <a:p>
-            <a:pPr>
-              <a:lnSpc>
-                <a:spcPct val="150000"/>
-              </a:lnSpc>
-            </a:pPr>
-            <a:r>
-              <a:rPr lang="fr-FR" sz="2000" b="1">
-                <a:latin typeface="Calibri" panose="020F0502020204030204" pitchFamily="34" charset="0"/>
-                <a:cs typeface="Calibri" panose="020F0502020204030204" pitchFamily="34" charset="0"/>
-              </a:rPr>
-              <a:t>Perspectives d'avenir</a:t>
-            </a:r>
-            <a:endParaRPr lang="fr-FR" sz="2000" dirty="0">
-              <a:latin typeface="Calibri" panose="020F0502020204030204" pitchFamily="34" charset="0"/>
-              <a:cs typeface="Calibri" panose="020F0502020204030204" pitchFamily="34" charset="0"/>
-            </a:endParaRPr>
-          </a:p>
-        </p:txBody>
-      </p:sp>
-      <p:sp>
-        <p:nvSpPr>
-          <p:cNvPr id="3" name="Titre 2">
-            <a:extLst>
-              <a:ext uri="{FF2B5EF4-FFF2-40B4-BE49-F238E27FC236}">
-                <a16:creationId xmlns:a16="http://schemas.microsoft.com/office/drawing/2014/main" id="{AED8A9F7-1B61-54C1-CC6C-E90ADEF1386C}"/>
-              </a:ext>
-            </a:extLst>
-          </p:cNvPr>
-          <p:cNvSpPr>
-            <a:spLocks noGrp="1"/>
-          </p:cNvSpPr>
-          <p:nvPr>
-            <p:ph type="title"/>
-          </p:nvPr>
-        </p:nvSpPr>
-        <p:spPr/>
-        <p:txBody>
-          <a:bodyPr/>
-          <a:lstStyle/>
-          <a:p>
-            <a:r>
-              <a:rPr lang="fr-FR" dirty="0">
-                <a:latin typeface="Calibri" panose="020F0502020204030204" pitchFamily="34" charset="0"/>
-                <a:cs typeface="Calibri" panose="020F0502020204030204" pitchFamily="34" charset="0"/>
-              </a:rPr>
-              <a:t>Conclusion</a:t>
-            </a:r>
-          </a:p>
-        </p:txBody>
-      </p:sp>
-    </p:spTree>
-    <p:extLst>
-      <p:ext uri="{BB962C8B-B14F-4D97-AF65-F5344CB8AC3E}">
-        <p14:creationId xmlns:p14="http://schemas.microsoft.com/office/powerpoint/2010/main" val="2895320229"/>
-      </p:ext>
-    </p:extLst>
-  </p:cSld>
-  <p:clrMapOvr>
-    <a:masterClrMapping/>
-  </p:clrMapOvr>
-</p:sld>
-</file>
-
-<file path=ppt/slides/slide35.xml><?xml version="1.0" encoding="utf-8"?>
 <p:sld xmlns:a="http://schemas.openxmlformats.org/drawingml/2006/main" xmlns:r="http://schemas.openxmlformats.org/officeDocument/2006/relationships" xmlns:p="http://schemas.openxmlformats.org/presentationml/2006/main">
   <p:cSld>
     <p:spTree>
@@ -13381,7 +13371,7 @@
 </p:sld>
 </file>
 
-<file path=ppt/slides/slide36.xml><?xml version="1.0" encoding="utf-8"?>
+<file path=ppt/slides/slide35.xml><?xml version="1.0" encoding="utf-8"?>
 <p:sld xmlns:a="http://schemas.openxmlformats.org/drawingml/2006/main" xmlns:r="http://schemas.openxmlformats.org/officeDocument/2006/relationships" xmlns:p="http://schemas.openxmlformats.org/presentationml/2006/main">
   <p:cSld>
     <p:spTree>
